--- a/修論/本文0105/figure/fig_3_1_3QW_broadcontact_IL.pptx
+++ b/修論/本文0105/figure/fig_3_1_3QW_broadcontact_IL.pptx
@@ -270,7 +270,7 @@
           <a:p>
             <a:fld id="{7B2C231C-A4B7-694E-AAA8-A398016C186A}" type="datetimeFigureOut">
               <a:rPr kumimoji="1" lang="ja-JP" altLang="en-US" smtClean="0"/>
-              <a:t>2019/1/4</a:t>
+              <a:t>2019/1/8</a:t>
             </a:fld>
             <a:endParaRPr kumimoji="1" lang="ja-JP" altLang="en-US"/>
           </a:p>
@@ -475,7 +475,7 @@
           <a:p>
             <a:fld id="{7B2C231C-A4B7-694E-AAA8-A398016C186A}" type="datetimeFigureOut">
               <a:rPr kumimoji="1" lang="ja-JP" altLang="en-US" smtClean="0"/>
-              <a:t>2019/1/4</a:t>
+              <a:t>2019/1/8</a:t>
             </a:fld>
             <a:endParaRPr kumimoji="1" lang="ja-JP" altLang="en-US"/>
           </a:p>
@@ -690,7 +690,7 @@
           <a:p>
             <a:fld id="{7B2C231C-A4B7-694E-AAA8-A398016C186A}" type="datetimeFigureOut">
               <a:rPr kumimoji="1" lang="ja-JP" altLang="en-US" smtClean="0"/>
-              <a:t>2019/1/4</a:t>
+              <a:t>2019/1/8</a:t>
             </a:fld>
             <a:endParaRPr kumimoji="1" lang="ja-JP" altLang="en-US"/>
           </a:p>
@@ -895,7 +895,7 @@
           <a:p>
             <a:fld id="{7B2C231C-A4B7-694E-AAA8-A398016C186A}" type="datetimeFigureOut">
               <a:rPr kumimoji="1" lang="ja-JP" altLang="en-US" smtClean="0"/>
-              <a:t>2019/1/4</a:t>
+              <a:t>2019/1/8</a:t>
             </a:fld>
             <a:endParaRPr kumimoji="1" lang="ja-JP" altLang="en-US"/>
           </a:p>
@@ -1205,7 +1205,7 @@
           <a:p>
             <a:fld id="{7B2C231C-A4B7-694E-AAA8-A398016C186A}" type="datetimeFigureOut">
               <a:rPr kumimoji="1" lang="ja-JP" altLang="en-US" smtClean="0"/>
-              <a:t>2019/1/4</a:t>
+              <a:t>2019/1/8</a:t>
             </a:fld>
             <a:endParaRPr kumimoji="1" lang="ja-JP" altLang="en-US"/>
           </a:p>
@@ -1484,7 +1484,7 @@
           <a:p>
             <a:fld id="{7B2C231C-A4B7-694E-AAA8-A398016C186A}" type="datetimeFigureOut">
               <a:rPr kumimoji="1" lang="ja-JP" altLang="en-US" smtClean="0"/>
-              <a:t>2019/1/4</a:t>
+              <a:t>2019/1/8</a:t>
             </a:fld>
             <a:endParaRPr kumimoji="1" lang="ja-JP" altLang="en-US"/>
           </a:p>
@@ -1980,7 +1980,7 @@
           <a:p>
             <a:fld id="{7B2C231C-A4B7-694E-AAA8-A398016C186A}" type="datetimeFigureOut">
               <a:rPr kumimoji="1" lang="ja-JP" altLang="en-US" smtClean="0"/>
-              <a:t>2019/1/4</a:t>
+              <a:t>2019/1/8</a:t>
             </a:fld>
             <a:endParaRPr kumimoji="1" lang="ja-JP" altLang="en-US"/>
           </a:p>
@@ -2121,7 +2121,7 @@
           <a:p>
             <a:fld id="{7B2C231C-A4B7-694E-AAA8-A398016C186A}" type="datetimeFigureOut">
               <a:rPr kumimoji="1" lang="ja-JP" altLang="en-US" smtClean="0"/>
-              <a:t>2019/1/4</a:t>
+              <a:t>2019/1/8</a:t>
             </a:fld>
             <a:endParaRPr kumimoji="1" lang="ja-JP" altLang="en-US"/>
           </a:p>
@@ -2234,7 +2234,7 @@
           <a:p>
             <a:fld id="{7B2C231C-A4B7-694E-AAA8-A398016C186A}" type="datetimeFigureOut">
               <a:rPr kumimoji="1" lang="ja-JP" altLang="en-US" smtClean="0"/>
-              <a:t>2019/1/4</a:t>
+              <a:t>2019/1/8</a:t>
             </a:fld>
             <a:endParaRPr kumimoji="1" lang="ja-JP" altLang="en-US"/>
           </a:p>
@@ -2587,7 +2587,7 @@
           <a:p>
             <a:fld id="{7B2C231C-A4B7-694E-AAA8-A398016C186A}" type="datetimeFigureOut">
               <a:rPr kumimoji="1" lang="ja-JP" altLang="en-US" smtClean="0"/>
-              <a:t>2019/1/4</a:t>
+              <a:t>2019/1/8</a:t>
             </a:fld>
             <a:endParaRPr kumimoji="1" lang="ja-JP" altLang="en-US"/>
           </a:p>
@@ -2910,7 +2910,7 @@
           <a:p>
             <a:fld id="{7B2C231C-A4B7-694E-AAA8-A398016C186A}" type="datetimeFigureOut">
               <a:rPr kumimoji="1" lang="ja-JP" altLang="en-US" smtClean="0"/>
-              <a:t>2019/1/4</a:t>
+              <a:t>2019/1/8</a:t>
             </a:fld>
             <a:endParaRPr kumimoji="1" lang="ja-JP" altLang="en-US"/>
           </a:p>
@@ -3158,7 +3158,7 @@
           <a:p>
             <a:fld id="{7B2C231C-A4B7-694E-AAA8-A398016C186A}" type="datetimeFigureOut">
               <a:rPr kumimoji="1" lang="ja-JP" altLang="en-US" smtClean="0"/>
-              <a:t>2019/1/4</a:t>
+              <a:t>2019/1/8</a:t>
             </a:fld>
             <a:endParaRPr kumimoji="1" lang="ja-JP" altLang="en-US"/>
           </a:p>
@@ -3679,10 +3679,10 @@
       </p:sp>
       <p:pic>
         <p:nvPicPr>
-          <p:cNvPr id="6" name="図 5">
-            <a:extLst>
-              <a:ext uri="{FF2B5EF4-FFF2-40B4-BE49-F238E27FC236}">
-                <a16:creationId xmlns:a16="http://schemas.microsoft.com/office/drawing/2014/main" id="{BA164B07-603F-4648-83B5-CA93E5667EC9}"/>
+          <p:cNvPr id="2" name="図 1">
+            <a:extLst>
+              <a:ext uri="{FF2B5EF4-FFF2-40B4-BE49-F238E27FC236}">
+                <a16:creationId xmlns:a16="http://schemas.microsoft.com/office/drawing/2014/main" id="{E31EE5FC-54F2-412A-868B-CA4B214C5C3D}"/>
               </a:ext>
             </a:extLst>
           </p:cNvPr>
@@ -3699,7 +3699,7 @@
         </p:blipFill>
         <p:spPr>
           <a:xfrm>
-            <a:off x="1528046" y="1672473"/>
+            <a:off x="1638300" y="1672474"/>
             <a:ext cx="4699414" cy="3513051"/>
           </a:xfrm>
           <a:prstGeom prst="rect">

--- a/修論/本文0105/figure/fig_3_1_3QW_broadcontact_IL.pptx
+++ b/修論/本文0105/figure/fig_3_1_3QW_broadcontact_IL.pptx
@@ -270,7 +270,7 @@
           <a:p>
             <a:fld id="{7B2C231C-A4B7-694E-AAA8-A398016C186A}" type="datetimeFigureOut">
               <a:rPr kumimoji="1" lang="ja-JP" altLang="en-US" smtClean="0"/>
-              <a:t>2019/1/8</a:t>
+              <a:t>2019/1/10</a:t>
             </a:fld>
             <a:endParaRPr kumimoji="1" lang="ja-JP" altLang="en-US"/>
           </a:p>
@@ -475,7 +475,7 @@
           <a:p>
             <a:fld id="{7B2C231C-A4B7-694E-AAA8-A398016C186A}" type="datetimeFigureOut">
               <a:rPr kumimoji="1" lang="ja-JP" altLang="en-US" smtClean="0"/>
-              <a:t>2019/1/8</a:t>
+              <a:t>2019/1/10</a:t>
             </a:fld>
             <a:endParaRPr kumimoji="1" lang="ja-JP" altLang="en-US"/>
           </a:p>
@@ -690,7 +690,7 @@
           <a:p>
             <a:fld id="{7B2C231C-A4B7-694E-AAA8-A398016C186A}" type="datetimeFigureOut">
               <a:rPr kumimoji="1" lang="ja-JP" altLang="en-US" smtClean="0"/>
-              <a:t>2019/1/8</a:t>
+              <a:t>2019/1/10</a:t>
             </a:fld>
             <a:endParaRPr kumimoji="1" lang="ja-JP" altLang="en-US"/>
           </a:p>
@@ -895,7 +895,7 @@
           <a:p>
             <a:fld id="{7B2C231C-A4B7-694E-AAA8-A398016C186A}" type="datetimeFigureOut">
               <a:rPr kumimoji="1" lang="ja-JP" altLang="en-US" smtClean="0"/>
-              <a:t>2019/1/8</a:t>
+              <a:t>2019/1/10</a:t>
             </a:fld>
             <a:endParaRPr kumimoji="1" lang="ja-JP" altLang="en-US"/>
           </a:p>
@@ -1205,7 +1205,7 @@
           <a:p>
             <a:fld id="{7B2C231C-A4B7-694E-AAA8-A398016C186A}" type="datetimeFigureOut">
               <a:rPr kumimoji="1" lang="ja-JP" altLang="en-US" smtClean="0"/>
-              <a:t>2019/1/8</a:t>
+              <a:t>2019/1/10</a:t>
             </a:fld>
             <a:endParaRPr kumimoji="1" lang="ja-JP" altLang="en-US"/>
           </a:p>
@@ -1484,7 +1484,7 @@
           <a:p>
             <a:fld id="{7B2C231C-A4B7-694E-AAA8-A398016C186A}" type="datetimeFigureOut">
               <a:rPr kumimoji="1" lang="ja-JP" altLang="en-US" smtClean="0"/>
-              <a:t>2019/1/8</a:t>
+              <a:t>2019/1/10</a:t>
             </a:fld>
             <a:endParaRPr kumimoji="1" lang="ja-JP" altLang="en-US"/>
           </a:p>
@@ -1980,7 +1980,7 @@
           <a:p>
             <a:fld id="{7B2C231C-A4B7-694E-AAA8-A398016C186A}" type="datetimeFigureOut">
               <a:rPr kumimoji="1" lang="ja-JP" altLang="en-US" smtClean="0"/>
-              <a:t>2019/1/8</a:t>
+              <a:t>2019/1/10</a:t>
             </a:fld>
             <a:endParaRPr kumimoji="1" lang="ja-JP" altLang="en-US"/>
           </a:p>
@@ -2121,7 +2121,7 @@
           <a:p>
             <a:fld id="{7B2C231C-A4B7-694E-AAA8-A398016C186A}" type="datetimeFigureOut">
               <a:rPr kumimoji="1" lang="ja-JP" altLang="en-US" smtClean="0"/>
-              <a:t>2019/1/8</a:t>
+              <a:t>2019/1/10</a:t>
             </a:fld>
             <a:endParaRPr kumimoji="1" lang="ja-JP" altLang="en-US"/>
           </a:p>
@@ -2234,7 +2234,7 @@
           <a:p>
             <a:fld id="{7B2C231C-A4B7-694E-AAA8-A398016C186A}" type="datetimeFigureOut">
               <a:rPr kumimoji="1" lang="ja-JP" altLang="en-US" smtClean="0"/>
-              <a:t>2019/1/8</a:t>
+              <a:t>2019/1/10</a:t>
             </a:fld>
             <a:endParaRPr kumimoji="1" lang="ja-JP" altLang="en-US"/>
           </a:p>
@@ -2587,7 +2587,7 @@
           <a:p>
             <a:fld id="{7B2C231C-A4B7-694E-AAA8-A398016C186A}" type="datetimeFigureOut">
               <a:rPr kumimoji="1" lang="ja-JP" altLang="en-US" smtClean="0"/>
-              <a:t>2019/1/8</a:t>
+              <a:t>2019/1/10</a:t>
             </a:fld>
             <a:endParaRPr kumimoji="1" lang="ja-JP" altLang="en-US"/>
           </a:p>
@@ -2910,7 +2910,7 @@
           <a:p>
             <a:fld id="{7B2C231C-A4B7-694E-AAA8-A398016C186A}" type="datetimeFigureOut">
               <a:rPr kumimoji="1" lang="ja-JP" altLang="en-US" smtClean="0"/>
-              <a:t>2019/1/8</a:t>
+              <a:t>2019/1/10</a:t>
             </a:fld>
             <a:endParaRPr kumimoji="1" lang="ja-JP" altLang="en-US"/>
           </a:p>
@@ -3158,7 +3158,7 @@
           <a:p>
             <a:fld id="{7B2C231C-A4B7-694E-AAA8-A398016C186A}" type="datetimeFigureOut">
               <a:rPr kumimoji="1" lang="ja-JP" altLang="en-US" smtClean="0"/>
-              <a:t>2019/1/8</a:t>
+              <a:t>2019/1/10</a:t>
             </a:fld>
             <a:endParaRPr kumimoji="1" lang="ja-JP" altLang="en-US"/>
           </a:p>
@@ -3575,12 +3575,84 @@
           <a:chExt cx="0" cy="0"/>
         </a:xfrm>
       </p:grpSpPr>
+      <p:sp>
+        <p:nvSpPr>
+          <p:cNvPr id="5" name="テキスト ボックス 4">
+            <a:extLst>
+              <a:ext uri="{FF2B5EF4-FFF2-40B4-BE49-F238E27FC236}">
+                <a16:creationId xmlns:a16="http://schemas.microsoft.com/office/drawing/2014/main" id="{5524BF15-AC5B-49A7-B63C-0881D21A021C}"/>
+              </a:ext>
+            </a:extLst>
+          </p:cNvPr>
+          <p:cNvSpPr txBox="1"/>
+          <p:nvPr/>
+        </p:nvSpPr>
+        <p:spPr>
+          <a:xfrm>
+            <a:off x="1638300" y="1489509"/>
+            <a:ext cx="1041400" cy="369332"/>
+          </a:xfrm>
+          <a:prstGeom prst="rect">
+            <a:avLst/>
+          </a:prstGeom>
+          <a:noFill/>
+        </p:spPr>
+        <p:txBody>
+          <a:bodyPr wrap="square" rtlCol="0">
+            <a:spAutoFit/>
+          </a:bodyPr>
+          <a:lstStyle/>
+          <a:p>
+            <a:r>
+              <a:rPr kumimoji="1" lang="en-US" altLang="ja-JP" dirty="0"/>
+              <a:t>(a)</a:t>
+            </a:r>
+            <a:endParaRPr kumimoji="1" lang="ja-JP" altLang="en-US" dirty="0"/>
+          </a:p>
+        </p:txBody>
+      </p:sp>
+      <p:sp>
+        <p:nvSpPr>
+          <p:cNvPr id="7" name="テキスト ボックス 6">
+            <a:extLst>
+              <a:ext uri="{FF2B5EF4-FFF2-40B4-BE49-F238E27FC236}">
+                <a16:creationId xmlns:a16="http://schemas.microsoft.com/office/drawing/2014/main" id="{2ABF478C-BBCF-41EF-B533-A6AA47EDB4D9}"/>
+              </a:ext>
+            </a:extLst>
+          </p:cNvPr>
+          <p:cNvSpPr txBox="1"/>
+          <p:nvPr/>
+        </p:nvSpPr>
+        <p:spPr>
+          <a:xfrm>
+            <a:off x="6235946" y="1489509"/>
+            <a:ext cx="1041400" cy="369332"/>
+          </a:xfrm>
+          <a:prstGeom prst="rect">
+            <a:avLst/>
+          </a:prstGeom>
+          <a:noFill/>
+        </p:spPr>
+        <p:txBody>
+          <a:bodyPr wrap="square" rtlCol="0">
+            <a:spAutoFit/>
+          </a:bodyPr>
+          <a:lstStyle/>
+          <a:p>
+            <a:r>
+              <a:rPr kumimoji="1" lang="en-US" altLang="ja-JP" dirty="0"/>
+              <a:t>(b)</a:t>
+            </a:r>
+            <a:endParaRPr kumimoji="1" lang="ja-JP" altLang="en-US" dirty="0"/>
+          </a:p>
+        </p:txBody>
+      </p:sp>
       <p:pic>
         <p:nvPicPr>
-          <p:cNvPr id="3" name="図 2">
-            <a:extLst>
-              <a:ext uri="{FF2B5EF4-FFF2-40B4-BE49-F238E27FC236}">
-                <a16:creationId xmlns:a16="http://schemas.microsoft.com/office/drawing/2014/main" id="{A837D7E5-A23C-4C55-A627-A09EA746885E}"/>
+          <p:cNvPr id="4" name="図 3">
+            <a:extLst>
+              <a:ext uri="{FF2B5EF4-FFF2-40B4-BE49-F238E27FC236}">
+                <a16:creationId xmlns:a16="http://schemas.microsoft.com/office/drawing/2014/main" id="{D0E5A23B-1BDF-4587-B67D-20C711004686}"/>
               </a:ext>
             </a:extLst>
           </p:cNvPr>
@@ -3597,92 +3669,20 @@
         </p:blipFill>
         <p:spPr>
           <a:xfrm>
-            <a:off x="6125507" y="1672474"/>
-            <a:ext cx="4546934" cy="3513051"/>
+            <a:off x="1638300" y="1672474"/>
+            <a:ext cx="4699414" cy="3513051"/>
           </a:xfrm>
           <a:prstGeom prst="rect">
             <a:avLst/>
           </a:prstGeom>
         </p:spPr>
       </p:pic>
-      <p:sp>
-        <p:nvSpPr>
-          <p:cNvPr id="5" name="テキスト ボックス 4">
-            <a:extLst>
-              <a:ext uri="{FF2B5EF4-FFF2-40B4-BE49-F238E27FC236}">
-                <a16:creationId xmlns:a16="http://schemas.microsoft.com/office/drawing/2014/main" id="{5524BF15-AC5B-49A7-B63C-0881D21A021C}"/>
-              </a:ext>
-            </a:extLst>
-          </p:cNvPr>
-          <p:cNvSpPr txBox="1"/>
-          <p:nvPr/>
-        </p:nvSpPr>
-        <p:spPr>
-          <a:xfrm>
-            <a:off x="1638300" y="1489509"/>
-            <a:ext cx="1041400" cy="369332"/>
-          </a:xfrm>
-          <a:prstGeom prst="rect">
-            <a:avLst/>
-          </a:prstGeom>
-          <a:noFill/>
-        </p:spPr>
-        <p:txBody>
-          <a:bodyPr wrap="square" rtlCol="0">
-            <a:spAutoFit/>
-          </a:bodyPr>
-          <a:lstStyle/>
-          <a:p>
-            <a:r>
-              <a:rPr kumimoji="1" lang="en-US" altLang="ja-JP" dirty="0"/>
-              <a:t>(a)</a:t>
-            </a:r>
-            <a:endParaRPr kumimoji="1" lang="ja-JP" altLang="en-US" dirty="0"/>
-          </a:p>
-        </p:txBody>
-      </p:sp>
-      <p:sp>
-        <p:nvSpPr>
-          <p:cNvPr id="7" name="テキスト ボックス 6">
-            <a:extLst>
-              <a:ext uri="{FF2B5EF4-FFF2-40B4-BE49-F238E27FC236}">
-                <a16:creationId xmlns:a16="http://schemas.microsoft.com/office/drawing/2014/main" id="{2ABF478C-BBCF-41EF-B533-A6AA47EDB4D9}"/>
-              </a:ext>
-            </a:extLst>
-          </p:cNvPr>
-          <p:cNvSpPr txBox="1"/>
-          <p:nvPr/>
-        </p:nvSpPr>
-        <p:spPr>
-          <a:xfrm>
-            <a:off x="6235946" y="1489509"/>
-            <a:ext cx="1041400" cy="369332"/>
-          </a:xfrm>
-          <a:prstGeom prst="rect">
-            <a:avLst/>
-          </a:prstGeom>
-          <a:noFill/>
-        </p:spPr>
-        <p:txBody>
-          <a:bodyPr wrap="square" rtlCol="0">
-            <a:spAutoFit/>
-          </a:bodyPr>
-          <a:lstStyle/>
-          <a:p>
-            <a:r>
-              <a:rPr kumimoji="1" lang="en-US" altLang="ja-JP" dirty="0"/>
-              <a:t>(b)</a:t>
-            </a:r>
-            <a:endParaRPr kumimoji="1" lang="ja-JP" altLang="en-US" dirty="0"/>
-          </a:p>
-        </p:txBody>
-      </p:sp>
       <p:pic>
         <p:nvPicPr>
-          <p:cNvPr id="2" name="図 1">
-            <a:extLst>
-              <a:ext uri="{FF2B5EF4-FFF2-40B4-BE49-F238E27FC236}">
-                <a16:creationId xmlns:a16="http://schemas.microsoft.com/office/drawing/2014/main" id="{E31EE5FC-54F2-412A-868B-CA4B214C5C3D}"/>
+          <p:cNvPr id="6" name="図 5">
+            <a:extLst>
+              <a:ext uri="{FF2B5EF4-FFF2-40B4-BE49-F238E27FC236}">
+                <a16:creationId xmlns:a16="http://schemas.microsoft.com/office/drawing/2014/main" id="{2142C46C-8264-46E4-B078-F0606D50D925}"/>
               </a:ext>
             </a:extLst>
           </p:cNvPr>
@@ -3699,8 +3699,8 @@
         </p:blipFill>
         <p:spPr>
           <a:xfrm>
-            <a:off x="1638300" y="1672474"/>
-            <a:ext cx="4699414" cy="3513051"/>
+            <a:off x="6286658" y="1672474"/>
+            <a:ext cx="4546934" cy="3513051"/>
           </a:xfrm>
           <a:prstGeom prst="rect">
             <a:avLst/>
